--- a/PPT/6 Digitalizando que es gerundio.pptx
+++ b/PPT/6 Digitalizando que es gerundio.pptx
@@ -195,7 +195,7 @@
 <file path=ppt/revisionInfo.xml><?xml version="1.0" encoding="utf-8"?>
 <p1510:revInfo xmlns:a="http://schemas.openxmlformats.org/drawingml/2006/main" xmlns:r="http://schemas.openxmlformats.org/officeDocument/2006/relationships" xmlns:p1510="http://schemas.microsoft.com/office/powerpoint/2015/10/main">
   <p1510:revLst>
-    <p1510:client id="{0DF3AFFA-2728-4D4C-9471-0595B1388AD2}" v="1" dt="2021-01-10T15:13:15.915"/>
+    <p1510:client id="{0DF3AFFA-2728-4D4C-9471-0595B1388AD2}" v="2" dt="2021-01-10T19:49:20.762"/>
   </p1510:revLst>
 </p1510:revInfo>
 </file>
@@ -204,8 +204,8 @@
 <pc:chgInfo xmlns:a="http://schemas.openxmlformats.org/drawingml/2006/main" xmlns:r="http://schemas.openxmlformats.org/officeDocument/2006/relationships" xmlns:ac="http://schemas.microsoft.com/office/drawing/2013/main/command" xmlns:pc="http://schemas.microsoft.com/office/powerpoint/2013/main/command">
   <pc:docChgLst>
     <pc:chgData name="Roberto Tejero" userId="df99c9947d6af889" providerId="LiveId" clId="{0DF3AFFA-2728-4D4C-9471-0595B1388AD2}"/>
-    <pc:docChg chg="addSld delSld modSld modSection">
-      <pc:chgData name="Roberto Tejero" userId="df99c9947d6af889" providerId="LiveId" clId="{0DF3AFFA-2728-4D4C-9471-0595B1388AD2}" dt="2021-01-10T15:13:29.078" v="2" actId="47"/>
+    <pc:docChg chg="custSel addSld delSld modSld modSection">
+      <pc:chgData name="Roberto Tejero" userId="df99c9947d6af889" providerId="LiveId" clId="{0DF3AFFA-2728-4D4C-9471-0595B1388AD2}" dt="2021-01-10T20:01:17.063" v="153" actId="20577"/>
       <pc:docMkLst>
         <pc:docMk/>
       </pc:docMkLst>
@@ -223,12 +223,91 @@
           <pc:sldMk cId="124482935" sldId="2076136261"/>
         </pc:sldMkLst>
       </pc:sldChg>
-      <pc:sldChg chg="add">
-        <pc:chgData name="Roberto Tejero" userId="df99c9947d6af889" providerId="LiveId" clId="{0DF3AFFA-2728-4D4C-9471-0595B1388AD2}" dt="2021-01-10T15:13:15.911" v="0"/>
+      <pc:sldChg chg="addSp delSp modSp mod">
+        <pc:chgData name="Roberto Tejero" userId="df99c9947d6af889" providerId="LiveId" clId="{0DF3AFFA-2728-4D4C-9471-0595B1388AD2}" dt="2021-01-10T20:01:17.063" v="153" actId="20577"/>
+        <pc:sldMkLst>
+          <pc:docMk/>
+          <pc:sldMk cId="4095216866" sldId="2076136262"/>
+        </pc:sldMkLst>
+        <pc:spChg chg="mod">
+          <ac:chgData name="Roberto Tejero" userId="df99c9947d6af889" providerId="LiveId" clId="{0DF3AFFA-2728-4D4C-9471-0595B1388AD2}" dt="2021-01-10T20:00:59.869" v="77"/>
+          <ac:spMkLst>
+            <pc:docMk/>
+            <pc:sldMk cId="4095216866" sldId="2076136262"/>
+            <ac:spMk id="2" creationId="{0626A76E-B9E1-43DE-894F-7F636E821576}"/>
+          </ac:spMkLst>
+        </pc:spChg>
+        <pc:spChg chg="mod">
+          <ac:chgData name="Roberto Tejero" userId="df99c9947d6af889" providerId="LiveId" clId="{0DF3AFFA-2728-4D4C-9471-0595B1388AD2}" dt="2021-01-10T20:01:08.924" v="103" actId="20577"/>
+          <ac:spMkLst>
+            <pc:docMk/>
+            <pc:sldMk cId="4095216866" sldId="2076136262"/>
+            <ac:spMk id="3" creationId="{CE7F95F9-74E0-445F-A3BF-CDBCBC1B21DE}"/>
+          </ac:spMkLst>
+        </pc:spChg>
+        <pc:spChg chg="del">
+          <ac:chgData name="Roberto Tejero" userId="df99c9947d6af889" providerId="LiveId" clId="{0DF3AFFA-2728-4D4C-9471-0595B1388AD2}" dt="2021-01-10T19:49:20.762" v="17"/>
+          <ac:spMkLst>
+            <pc:docMk/>
+            <pc:sldMk cId="4095216866" sldId="2076136262"/>
+            <ac:spMk id="5" creationId="{087C93F1-B345-43F6-88F9-A852BDE767E4}"/>
+          </ac:spMkLst>
+        </pc:spChg>
+        <pc:spChg chg="del">
+          <ac:chgData name="Roberto Tejero" userId="df99c9947d6af889" providerId="LiveId" clId="{0DF3AFFA-2728-4D4C-9471-0595B1388AD2}" dt="2021-01-10T19:49:06.059" v="3" actId="478"/>
+          <ac:spMkLst>
+            <pc:docMk/>
+            <pc:sldMk cId="4095216866" sldId="2076136262"/>
+            <ac:spMk id="7" creationId="{8EF35D44-2C5B-40E9-B454-F56774A87418}"/>
+          </ac:spMkLst>
+        </pc:spChg>
+        <pc:spChg chg="del">
+          <ac:chgData name="Roberto Tejero" userId="df99c9947d6af889" providerId="LiveId" clId="{0DF3AFFA-2728-4D4C-9471-0595B1388AD2}" dt="2021-01-10T19:49:10.605" v="4" actId="478"/>
+          <ac:spMkLst>
+            <pc:docMk/>
+            <pc:sldMk cId="4095216866" sldId="2076136262"/>
+            <ac:spMk id="8" creationId="{B5A653BA-DCA7-4396-B752-FF12285E0B37}"/>
+          </ac:spMkLst>
+        </pc:spChg>
+        <pc:spChg chg="add mod">
+          <ac:chgData name="Roberto Tejero" userId="df99c9947d6af889" providerId="LiveId" clId="{0DF3AFFA-2728-4D4C-9471-0595B1388AD2}" dt="2021-01-10T20:01:17.063" v="153" actId="20577"/>
+          <ac:spMkLst>
+            <pc:docMk/>
+            <pc:sldMk cId="4095216866" sldId="2076136262"/>
+            <ac:spMk id="9" creationId="{19C21C93-0604-4BB4-B60F-E6E6E80B083A}"/>
+          </ac:spMkLst>
+        </pc:spChg>
+      </pc:sldChg>
+      <pc:sldChg chg="modSp add mod">
+        <pc:chgData name="Roberto Tejero" userId="df99c9947d6af889" providerId="LiveId" clId="{0DF3AFFA-2728-4D4C-9471-0595B1388AD2}" dt="2021-01-10T20:00:48.724" v="76" actId="20577"/>
         <pc:sldMkLst>
           <pc:docMk/>
           <pc:sldMk cId="1332719226" sldId="2076136263"/>
         </pc:sldMkLst>
+        <pc:spChg chg="mod">
+          <ac:chgData name="Roberto Tejero" userId="df99c9947d6af889" providerId="LiveId" clId="{0DF3AFFA-2728-4D4C-9471-0595B1388AD2}" dt="2021-01-10T20:00:34.758" v="48" actId="20577"/>
+          <ac:spMkLst>
+            <pc:docMk/>
+            <pc:sldMk cId="1332719226" sldId="2076136263"/>
+            <ac:spMk id="6" creationId="{155300A5-3509-42AD-8CEF-6590A562B1E5}"/>
+          </ac:spMkLst>
+        </pc:spChg>
+        <pc:spChg chg="mod">
+          <ac:chgData name="Roberto Tejero" userId="df99c9947d6af889" providerId="LiveId" clId="{0DF3AFFA-2728-4D4C-9471-0595B1388AD2}" dt="2021-01-10T20:00:43.781" v="69" actId="20577"/>
+          <ac:spMkLst>
+            <pc:docMk/>
+            <pc:sldMk cId="1332719226" sldId="2076136263"/>
+            <ac:spMk id="7" creationId="{69511D55-34D4-45A0-8602-117128967C6C}"/>
+          </ac:spMkLst>
+        </pc:spChg>
+        <pc:spChg chg="mod">
+          <ac:chgData name="Roberto Tejero" userId="df99c9947d6af889" providerId="LiveId" clId="{0DF3AFFA-2728-4D4C-9471-0595B1388AD2}" dt="2021-01-10T20:00:48.724" v="76" actId="20577"/>
+          <ac:spMkLst>
+            <pc:docMk/>
+            <pc:sldMk cId="1332719226" sldId="2076136263"/>
+            <ac:spMk id="9" creationId="{45C40D03-0ACA-4055-8A76-253AAF2DB6F5}"/>
+          </ac:spMkLst>
+        </pc:spChg>
       </pc:sldChg>
     </pc:docChg>
   </pc:docChgLst>
@@ -321,7 +400,7 @@
               <a:rPr lang="en-US" smtClean="0">
                 <a:latin typeface="Segoe UI" pitchFamily="34" charset="0"/>
               </a:rPr>
-              <a:t>1/10/2021 4:13 PM</a:t>
+              <a:t>1/10/2021 9:00 PM</a:t>
             </a:fld>
             <a:endParaRPr lang="en-US">
               <a:latin typeface="Segoe UI" pitchFamily="34" charset="0"/>
@@ -599,7 +678,7 @@
           <a:p>
             <a:fld id="{386CE63F-9E7F-4C04-9D0D-FCA25A8E9E86}" type="datetime8">
               <a:rPr lang="en-US" smtClean="0"/>
-              <a:t>1/10/2021 4:12 PM</a:t>
+              <a:t>1/10/2021 9:00 PM</a:t>
             </a:fld>
             <a:endParaRPr lang="en-US"/>
           </a:p>
@@ -43033,8 +43112,8 @@
         </p:nvSpPr>
         <p:spPr>
           <a:xfrm>
-            <a:off x="584196" y="1030416"/>
-            <a:ext cx="4956705" cy="2215991"/>
+            <a:off x="584196" y="2138411"/>
+            <a:ext cx="4956705" cy="1107996"/>
           </a:xfrm>
         </p:spPr>
         <p:txBody>
@@ -43043,15 +43122,7 @@
           <a:p>
             <a:r>
               <a:rPr lang="es-ES" dirty="0"/>
-              <a:t>Clasificación de imágenes usando Deep </a:t>
-            </a:r>
-            <a:r>
-              <a:rPr lang="es-ES" dirty="0" err="1"/>
-              <a:t>Learning</a:t>
-            </a:r>
-            <a:r>
-              <a:rPr lang="es-ES" dirty="0"/>
-              <a:t> en ML.NET</a:t>
+              <a:t>Digitalizando que es gerundio</a:t>
             </a:r>
           </a:p>
         </p:txBody>
@@ -43079,13 +43150,8 @@
           <a:p>
             <a:r>
               <a:rPr lang="es-ES" dirty="0"/>
-              <a:t>Luis </a:t>
+              <a:t>Diego Zapico Ferreiro</a:t>
             </a:r>
-            <a:r>
-              <a:rPr lang="es-ES" dirty="0" err="1"/>
-              <a:t>Beltran</a:t>
-            </a:r>
-            <a:endParaRPr lang="es-ES" dirty="0"/>
           </a:p>
         </p:txBody>
       </p:sp>
@@ -43154,28 +43220,8 @@
           <a:lstStyle/>
           <a:p>
             <a:r>
-              <a:rPr lang="es-ES" dirty="0"/>
-              <a:t>Microsoft MVP | </a:t>
-            </a:r>
-            <a:r>
               <a:rPr lang="es-ES" dirty="0" err="1"/>
-              <a:t>Xamarin</a:t>
-            </a:r>
-            <a:r>
-              <a:rPr lang="es-ES" dirty="0"/>
-              <a:t> </a:t>
-            </a:r>
-            <a:r>
-              <a:rPr lang="es-ES" dirty="0" err="1"/>
-              <a:t>Certified</a:t>
-            </a:r>
-            <a:r>
-              <a:rPr lang="es-ES" dirty="0"/>
-              <a:t> Mobile </a:t>
-            </a:r>
-            <a:r>
-              <a:rPr lang="es-ES" dirty="0" err="1"/>
-              <a:t>Developer</a:t>
+              <a:t>Nothing</a:t>
             </a:r>
             <a:endParaRPr lang="es-ES" dirty="0"/>
           </a:p>
@@ -43562,12 +43608,20 @@
             <p:ph type="title"/>
           </p:nvPr>
         </p:nvSpPr>
-        <p:spPr/>
+        <p:spPr>
+          <a:xfrm>
+            <a:off x="762991" y="1615703"/>
+            <a:ext cx="4075714" cy="861774"/>
+          </a:xfrm>
+        </p:spPr>
         <p:txBody>
           <a:bodyPr/>
           <a:lstStyle/>
           <a:p>
-            <a:endParaRPr lang="es-ES"/>
+            <a:r>
+              <a:rPr lang="es-ES" dirty="0"/>
+              <a:t>Digitalizando que es gerundio</a:t>
+            </a:r>
           </a:p>
         </p:txBody>
       </p:sp>
@@ -43592,16 +43646,19 @@
           <a:bodyPr/>
           <a:lstStyle/>
           <a:p>
-            <a:endParaRPr lang="es-ES"/>
+            <a:r>
+              <a:rPr lang="es-ES" dirty="0"/>
+              <a:t>Diego Zapico Ferreiro</a:t>
+            </a:r>
           </a:p>
         </p:txBody>
       </p:sp>
       <p:sp>
         <p:nvSpPr>
-          <p:cNvPr id="5" name="Marcador de texto 4">
+          <p:cNvPr id="9" name="Marcador de texto 8">
             <a:extLst>
               <a:ext uri="{FF2B5EF4-FFF2-40B4-BE49-F238E27FC236}">
-                <a16:creationId xmlns:a16="http://schemas.microsoft.com/office/drawing/2014/main" id="{087C93F1-B345-43F6-88F9-A852BDE767E4}"/>
+                <a16:creationId xmlns:a16="http://schemas.microsoft.com/office/drawing/2014/main" id="{19C21C93-0604-4BB4-B60F-E6E6E80B083A}"/>
               </a:ext>
             </a:extLst>
           </p:cNvPr>
@@ -43612,62 +43669,21 @@
             <p:ph type="body" sz="quarter" idx="15"/>
           </p:nvPr>
         </p:nvSpPr>
-        <p:spPr/>
+        <p:spPr>
+          <a:xfrm>
+            <a:off x="763587" y="3287486"/>
+            <a:ext cx="4359955" cy="215444"/>
+          </a:xfrm>
+        </p:spPr>
         <p:txBody>
           <a:bodyPr/>
           <a:lstStyle/>
           <a:p>
-            <a:endParaRPr lang="es-ES"/>
-          </a:p>
-        </p:txBody>
-      </p:sp>
-      <p:sp>
-        <p:nvSpPr>
-          <p:cNvPr id="7" name="Marcador de texto 6">
-            <a:extLst>
-              <a:ext uri="{FF2B5EF4-FFF2-40B4-BE49-F238E27FC236}">
-                <a16:creationId xmlns:a16="http://schemas.microsoft.com/office/drawing/2014/main" id="{8EF35D44-2C5B-40E9-B454-F56774A87418}"/>
-              </a:ext>
-            </a:extLst>
-          </p:cNvPr>
-          <p:cNvSpPr>
-            <a:spLocks noGrp="1"/>
-          </p:cNvSpPr>
-          <p:nvPr>
-            <p:ph type="body" sz="quarter" idx="16"/>
-          </p:nvPr>
-        </p:nvSpPr>
-        <p:spPr/>
-        <p:txBody>
-          <a:bodyPr/>
-          <a:lstStyle/>
-          <a:p>
-            <a:endParaRPr lang="es-ES"/>
-          </a:p>
-        </p:txBody>
-      </p:sp>
-      <p:sp>
-        <p:nvSpPr>
-          <p:cNvPr id="8" name="Marcador de texto 7">
-            <a:extLst>
-              <a:ext uri="{FF2B5EF4-FFF2-40B4-BE49-F238E27FC236}">
-                <a16:creationId xmlns:a16="http://schemas.microsoft.com/office/drawing/2014/main" id="{B5A653BA-DCA7-4396-B752-FF12285E0B37}"/>
-              </a:ext>
-            </a:extLst>
-          </p:cNvPr>
-          <p:cNvSpPr>
-            <a:spLocks noGrp="1"/>
-          </p:cNvSpPr>
-          <p:nvPr>
-            <p:ph type="body" sz="quarter" idx="17"/>
-          </p:nvPr>
-        </p:nvSpPr>
-        <p:spPr/>
-        <p:txBody>
-          <a:bodyPr/>
-          <a:lstStyle/>
-          <a:p>
-            <a:endParaRPr lang="es-ES"/>
+            <a:r>
+              <a:rPr lang="es-ES"/>
+              <a:t>Nothing</a:t>
+            </a:r>
+            <a:endParaRPr lang="es-ES" dirty="0"/>
           </a:p>
         </p:txBody>
       </p:sp>

--- a/PPT/6 Digitalizando que es gerundio.pptx
+++ b/PPT/6 Digitalizando que es gerundio.pptx
@@ -400,7 +400,7 @@
               <a:rPr lang="en-US" smtClean="0">
                 <a:latin typeface="Segoe UI" pitchFamily="34" charset="0"/>
               </a:rPr>
-              <a:t>1/10/2021 9:00 PM</a:t>
+              <a:t>1/11/2021 10:12 AM</a:t>
             </a:fld>
             <a:endParaRPr lang="en-US">
               <a:latin typeface="Segoe UI" pitchFamily="34" charset="0"/>
@@ -489,7 +489,7 @@
               <a:rPr lang="en-US" smtClean="0">
                 <a:latin typeface="Segoe UI" pitchFamily="34" charset="0"/>
               </a:rPr>
-              <a:t>‹#›</a:t>
+              <a:t>‹Nº›</a:t>
             </a:fld>
             <a:endParaRPr lang="en-US">
               <a:latin typeface="Segoe UI" pitchFamily="34" charset="0"/>
@@ -678,7 +678,7 @@
           <a:p>
             <a:fld id="{386CE63F-9E7F-4C04-9D0D-FCA25A8E9E86}" type="datetime8">
               <a:rPr lang="en-US" smtClean="0"/>
-              <a:t>1/10/2021 9:00 PM</a:t>
+              <a:t>1/11/2021 10:12 AM</a:t>
             </a:fld>
             <a:endParaRPr lang="en-US"/>
           </a:p>
@@ -775,7 +775,7 @@
             <a:fld id="{B4008EB6-D09E-4580-8CD6-DDB14511944F}" type="slidenum">
               <a:rPr lang="en-US" smtClean="0"/>
               <a:pPr/>
-              <a:t>‹#›</a:t>
+              <a:t>‹Nº›</a:t>
             </a:fld>
             <a:endParaRPr lang="en-US"/>
           </a:p>
@@ -2146,216 +2146,6 @@
       </p:sp>
       <p:pic>
         <p:nvPicPr>
-          <p:cNvPr id="42" name="Imagen 41">
-            <a:extLst>
-              <a:ext uri="{FF2B5EF4-FFF2-40B4-BE49-F238E27FC236}">
-                <a16:creationId xmlns:a16="http://schemas.microsoft.com/office/drawing/2014/main" id="{CFE36E5C-300D-43C3-BE61-452D23910E7A}"/>
-              </a:ext>
-            </a:extLst>
-          </p:cNvPr>
-          <p:cNvPicPr>
-            <a:picLocks noChangeAspect="1"/>
-          </p:cNvPicPr>
-          <p:nvPr userDrawn="1"/>
-        </p:nvPicPr>
-        <p:blipFill>
-          <a:blip r:embed="rId8"/>
-          <a:stretch>
-            <a:fillRect/>
-          </a:stretch>
-        </p:blipFill>
-        <p:spPr>
-          <a:xfrm>
-            <a:off x="6038054" y="5126102"/>
-            <a:ext cx="2243624" cy="690346"/>
-          </a:xfrm>
-          <a:prstGeom prst="rect">
-            <a:avLst/>
-          </a:prstGeom>
-        </p:spPr>
-      </p:pic>
-      <p:pic>
-        <p:nvPicPr>
-          <p:cNvPr id="43" name="Imagen 42">
-            <a:extLst>
-              <a:ext uri="{FF2B5EF4-FFF2-40B4-BE49-F238E27FC236}">
-                <a16:creationId xmlns:a16="http://schemas.microsoft.com/office/drawing/2014/main" id="{1E5521AC-4CAB-411F-AC1B-1FC08331F083}"/>
-              </a:ext>
-            </a:extLst>
-          </p:cNvPr>
-          <p:cNvPicPr>
-            <a:picLocks noChangeAspect="1"/>
-          </p:cNvPicPr>
-          <p:nvPr userDrawn="1"/>
-        </p:nvPicPr>
-        <p:blipFill>
-          <a:blip r:embed="rId9"/>
-          <a:stretch>
-            <a:fillRect/>
-          </a:stretch>
-        </p:blipFill>
-        <p:spPr>
-          <a:xfrm>
-            <a:off x="8539558" y="5733198"/>
-            <a:ext cx="1582743" cy="586201"/>
-          </a:xfrm>
-          <a:prstGeom prst="rect">
-            <a:avLst/>
-          </a:prstGeom>
-        </p:spPr>
-      </p:pic>
-      <p:pic>
-        <p:nvPicPr>
-          <p:cNvPr id="44" name="Imagen 43">
-            <a:extLst>
-              <a:ext uri="{FF2B5EF4-FFF2-40B4-BE49-F238E27FC236}">
-                <a16:creationId xmlns:a16="http://schemas.microsoft.com/office/drawing/2014/main" id="{11316E2E-3D77-4C04-B311-6A3BC810876B}"/>
-              </a:ext>
-            </a:extLst>
-          </p:cNvPr>
-          <p:cNvPicPr>
-            <a:picLocks noChangeAspect="1"/>
-          </p:cNvPicPr>
-          <p:nvPr userDrawn="1"/>
-        </p:nvPicPr>
-        <p:blipFill>
-          <a:blip r:embed="rId10"/>
-          <a:stretch>
-            <a:fillRect/>
-          </a:stretch>
-        </p:blipFill>
-        <p:spPr>
-          <a:xfrm>
-            <a:off x="1494915" y="5537785"/>
-            <a:ext cx="2015855" cy="620263"/>
-          </a:xfrm>
-          <a:prstGeom prst="rect">
-            <a:avLst/>
-          </a:prstGeom>
-        </p:spPr>
-      </p:pic>
-      <p:pic>
-        <p:nvPicPr>
-          <p:cNvPr id="45" name="Imagen 44">
-            <a:extLst>
-              <a:ext uri="{FF2B5EF4-FFF2-40B4-BE49-F238E27FC236}">
-                <a16:creationId xmlns:a16="http://schemas.microsoft.com/office/drawing/2014/main" id="{27698EF9-7487-44AD-80EC-BF4C4D09A750}"/>
-              </a:ext>
-            </a:extLst>
-          </p:cNvPr>
-          <p:cNvPicPr>
-            <a:picLocks noChangeAspect="1"/>
-          </p:cNvPicPr>
-          <p:nvPr userDrawn="1"/>
-        </p:nvPicPr>
-        <p:blipFill>
-          <a:blip r:embed="rId11"/>
-          <a:stretch>
-            <a:fillRect/>
-          </a:stretch>
-        </p:blipFill>
-        <p:spPr>
-          <a:xfrm>
-            <a:off x="3816249" y="5203641"/>
-            <a:ext cx="2144054" cy="560669"/>
-          </a:xfrm>
-          <a:prstGeom prst="rect">
-            <a:avLst/>
-          </a:prstGeom>
-        </p:spPr>
-      </p:pic>
-      <p:pic>
-        <p:nvPicPr>
-          <p:cNvPr id="46" name="Imagen 45">
-            <a:extLst>
-              <a:ext uri="{FF2B5EF4-FFF2-40B4-BE49-F238E27FC236}">
-                <a16:creationId xmlns:a16="http://schemas.microsoft.com/office/drawing/2014/main" id="{6F0DF829-9E01-4878-8C8F-E8F7AD4159ED}"/>
-              </a:ext>
-            </a:extLst>
-          </p:cNvPr>
-          <p:cNvPicPr>
-            <a:picLocks noChangeAspect="1"/>
-          </p:cNvPicPr>
-          <p:nvPr userDrawn="1"/>
-        </p:nvPicPr>
-        <p:blipFill>
-          <a:blip r:embed="rId12"/>
-          <a:stretch>
-            <a:fillRect/>
-          </a:stretch>
-        </p:blipFill>
-        <p:spPr>
-          <a:xfrm>
-            <a:off x="3860320" y="5847917"/>
-            <a:ext cx="1905154" cy="586201"/>
-          </a:xfrm>
-          <a:prstGeom prst="rect">
-            <a:avLst/>
-          </a:prstGeom>
-        </p:spPr>
-      </p:pic>
-      <p:pic>
-        <p:nvPicPr>
-          <p:cNvPr id="52" name="Imagen 51">
-            <a:extLst>
-              <a:ext uri="{FF2B5EF4-FFF2-40B4-BE49-F238E27FC236}">
-                <a16:creationId xmlns:a16="http://schemas.microsoft.com/office/drawing/2014/main" id="{999BD06F-0AD4-4E45-B274-E87BA24F79BC}"/>
-              </a:ext>
-            </a:extLst>
-          </p:cNvPr>
-          <p:cNvPicPr>
-            <a:picLocks noChangeAspect="1"/>
-          </p:cNvPicPr>
-          <p:nvPr userDrawn="1"/>
-        </p:nvPicPr>
-        <p:blipFill>
-          <a:blip r:embed="rId13"/>
-          <a:stretch>
-            <a:fillRect/>
-          </a:stretch>
-        </p:blipFill>
-        <p:spPr>
-          <a:xfrm>
-            <a:off x="6259691" y="5936432"/>
-            <a:ext cx="1800350" cy="409170"/>
-          </a:xfrm>
-          <a:prstGeom prst="rect">
-            <a:avLst/>
-          </a:prstGeom>
-        </p:spPr>
-      </p:pic>
-      <p:pic>
-        <p:nvPicPr>
-          <p:cNvPr id="53" name="Imagen 52">
-            <a:extLst>
-              <a:ext uri="{FF2B5EF4-FFF2-40B4-BE49-F238E27FC236}">
-                <a16:creationId xmlns:a16="http://schemas.microsoft.com/office/drawing/2014/main" id="{B732E62D-65E0-4AF3-9F73-267A09BF660E}"/>
-              </a:ext>
-            </a:extLst>
-          </p:cNvPr>
-          <p:cNvPicPr>
-            <a:picLocks noChangeAspect="1"/>
-          </p:cNvPicPr>
-          <p:nvPr userDrawn="1"/>
-        </p:nvPicPr>
-        <p:blipFill>
-          <a:blip r:embed="rId14"/>
-          <a:stretch>
-            <a:fillRect/>
-          </a:stretch>
-        </p:blipFill>
-        <p:spPr>
-          <a:xfrm>
-            <a:off x="8411164" y="5047695"/>
-            <a:ext cx="1839530" cy="567666"/>
-          </a:xfrm>
-          <a:prstGeom prst="rect">
-            <a:avLst/>
-          </a:prstGeom>
-        </p:spPr>
-      </p:pic>
-      <p:pic>
-        <p:nvPicPr>
           <p:cNvPr id="55" name="Gráfico 54">
             <a:extLst>
               <a:ext uri="{FF2B5EF4-FFF2-40B4-BE49-F238E27FC236}">
@@ -2369,10 +2159,10 @@
           <p:nvPr userDrawn="1"/>
         </p:nvPicPr>
         <p:blipFill>
-          <a:blip r:embed="rId15">
+          <a:blip r:embed="rId8">
             <a:extLst>
               <a:ext uri="{96DAC541-7B7A-43D3-8B79-37D633B846F1}">
-                <asvg:svgBlip xmlns:asvg="http://schemas.microsoft.com/office/drawing/2016/SVG/main" r:embed="rId16"/>
+                <asvg:svgBlip xmlns:asvg="http://schemas.microsoft.com/office/drawing/2016/SVG/main" r:embed="rId9"/>
               </a:ext>
             </a:extLst>
           </a:blip>
@@ -2405,10 +2195,10 @@
           <p:nvPr userDrawn="1"/>
         </p:nvPicPr>
         <p:blipFill>
-          <a:blip r:embed="rId17">
+          <a:blip r:embed="rId10">
             <a:extLst>
               <a:ext uri="{96DAC541-7B7A-43D3-8B79-37D633B846F1}">
-                <asvg:svgBlip xmlns:asvg="http://schemas.microsoft.com/office/drawing/2016/SVG/main" r:embed="rId18"/>
+                <asvg:svgBlip xmlns:asvg="http://schemas.microsoft.com/office/drawing/2016/SVG/main" r:embed="rId11"/>
               </a:ext>
             </a:extLst>
           </a:blip>
@@ -2420,6 +2210,246 @@
           <a:xfrm>
             <a:off x="5501889" y="2377869"/>
             <a:ext cx="1851408" cy="1347955"/>
+          </a:xfrm>
+          <a:prstGeom prst="rect">
+            <a:avLst/>
+          </a:prstGeom>
+        </p:spPr>
+      </p:pic>
+      <p:pic>
+        <p:nvPicPr>
+          <p:cNvPr id="22" name="Imagen 21">
+            <a:extLst>
+              <a:ext uri="{FF2B5EF4-FFF2-40B4-BE49-F238E27FC236}">
+                <a16:creationId xmlns:a16="http://schemas.microsoft.com/office/drawing/2014/main" id="{84E70A68-5A17-4284-9A2E-EB7C419356A0}"/>
+              </a:ext>
+            </a:extLst>
+          </p:cNvPr>
+          <p:cNvPicPr>
+            <a:picLocks noChangeAspect="1"/>
+          </p:cNvPicPr>
+          <p:nvPr userDrawn="1"/>
+        </p:nvPicPr>
+        <p:blipFill>
+          <a:blip r:embed="rId12"/>
+          <a:stretch>
+            <a:fillRect/>
+          </a:stretch>
+        </p:blipFill>
+        <p:spPr>
+          <a:xfrm>
+            <a:off x="6280496" y="5133072"/>
+            <a:ext cx="2243624" cy="690346"/>
+          </a:xfrm>
+          <a:prstGeom prst="rect">
+            <a:avLst/>
+          </a:prstGeom>
+        </p:spPr>
+      </p:pic>
+      <p:pic>
+        <p:nvPicPr>
+          <p:cNvPr id="23" name="Imagen 22">
+            <a:extLst>
+              <a:ext uri="{FF2B5EF4-FFF2-40B4-BE49-F238E27FC236}">
+                <a16:creationId xmlns:a16="http://schemas.microsoft.com/office/drawing/2014/main" id="{9A3D5237-8057-43AA-B0BD-53448EEB1052}"/>
+              </a:ext>
+            </a:extLst>
+          </p:cNvPr>
+          <p:cNvPicPr>
+            <a:picLocks noChangeAspect="1"/>
+          </p:cNvPicPr>
+          <p:nvPr userDrawn="1"/>
+        </p:nvPicPr>
+        <p:blipFill>
+          <a:blip r:embed="rId13"/>
+          <a:stretch>
+            <a:fillRect/>
+          </a:stretch>
+        </p:blipFill>
+        <p:spPr>
+          <a:xfrm>
+            <a:off x="6585173" y="5797267"/>
+            <a:ext cx="1582743" cy="586201"/>
+          </a:xfrm>
+          <a:prstGeom prst="rect">
+            <a:avLst/>
+          </a:prstGeom>
+        </p:spPr>
+      </p:pic>
+      <p:pic>
+        <p:nvPicPr>
+          <p:cNvPr id="24" name="Imagen 23">
+            <a:extLst>
+              <a:ext uri="{FF2B5EF4-FFF2-40B4-BE49-F238E27FC236}">
+                <a16:creationId xmlns:a16="http://schemas.microsoft.com/office/drawing/2014/main" id="{B0131B17-EBE3-49B4-8E07-319CDFB2484D}"/>
+              </a:ext>
+            </a:extLst>
+          </p:cNvPr>
+          <p:cNvPicPr>
+            <a:picLocks noChangeAspect="1"/>
+          </p:cNvPicPr>
+          <p:nvPr userDrawn="1"/>
+        </p:nvPicPr>
+        <p:blipFill>
+          <a:blip r:embed="rId14"/>
+          <a:stretch>
+            <a:fillRect/>
+          </a:stretch>
+        </p:blipFill>
+        <p:spPr>
+          <a:xfrm>
+            <a:off x="1742944" y="5168113"/>
+            <a:ext cx="2015855" cy="620263"/>
+          </a:xfrm>
+          <a:prstGeom prst="rect">
+            <a:avLst/>
+          </a:prstGeom>
+        </p:spPr>
+      </p:pic>
+      <p:pic>
+        <p:nvPicPr>
+          <p:cNvPr id="25" name="Imagen 24">
+            <a:extLst>
+              <a:ext uri="{FF2B5EF4-FFF2-40B4-BE49-F238E27FC236}">
+                <a16:creationId xmlns:a16="http://schemas.microsoft.com/office/drawing/2014/main" id="{8D3F5893-658C-450E-8527-B3500F786E5F}"/>
+              </a:ext>
+            </a:extLst>
+          </p:cNvPr>
+          <p:cNvPicPr>
+            <a:picLocks noChangeAspect="1"/>
+          </p:cNvPicPr>
+          <p:nvPr userDrawn="1"/>
+        </p:nvPicPr>
+        <p:blipFill>
+          <a:blip r:embed="rId15"/>
+          <a:stretch>
+            <a:fillRect/>
+          </a:stretch>
+        </p:blipFill>
+        <p:spPr>
+          <a:xfrm>
+            <a:off x="4058691" y="5210611"/>
+            <a:ext cx="2144054" cy="560669"/>
+          </a:xfrm>
+          <a:prstGeom prst="rect">
+            <a:avLst/>
+          </a:prstGeom>
+        </p:spPr>
+      </p:pic>
+      <p:pic>
+        <p:nvPicPr>
+          <p:cNvPr id="26" name="Imagen 25">
+            <a:extLst>
+              <a:ext uri="{FF2B5EF4-FFF2-40B4-BE49-F238E27FC236}">
+                <a16:creationId xmlns:a16="http://schemas.microsoft.com/office/drawing/2014/main" id="{804C3355-AA7F-43C3-8114-8E4E89E0B25F}"/>
+              </a:ext>
+            </a:extLst>
+          </p:cNvPr>
+          <p:cNvPicPr>
+            <a:picLocks noChangeAspect="1"/>
+          </p:cNvPicPr>
+          <p:nvPr userDrawn="1"/>
+        </p:nvPicPr>
+        <p:blipFill>
+          <a:blip r:embed="rId16"/>
+          <a:stretch>
+            <a:fillRect/>
+          </a:stretch>
+        </p:blipFill>
+        <p:spPr>
+          <a:xfrm>
+            <a:off x="1946157" y="5911986"/>
+            <a:ext cx="1905154" cy="586201"/>
+          </a:xfrm>
+          <a:prstGeom prst="rect">
+            <a:avLst/>
+          </a:prstGeom>
+        </p:spPr>
+      </p:pic>
+      <p:pic>
+        <p:nvPicPr>
+          <p:cNvPr id="29" name="Imagen 28">
+            <a:extLst>
+              <a:ext uri="{FF2B5EF4-FFF2-40B4-BE49-F238E27FC236}">
+                <a16:creationId xmlns:a16="http://schemas.microsoft.com/office/drawing/2014/main" id="{FF7FCB94-150F-44F3-8854-550BCF20E730}"/>
+              </a:ext>
+            </a:extLst>
+          </p:cNvPr>
+          <p:cNvPicPr>
+            <a:picLocks noChangeAspect="1"/>
+          </p:cNvPicPr>
+          <p:nvPr userDrawn="1"/>
+        </p:nvPicPr>
+        <p:blipFill>
+          <a:blip r:embed="rId17"/>
+          <a:stretch>
+            <a:fillRect/>
+          </a:stretch>
+        </p:blipFill>
+        <p:spPr>
+          <a:xfrm>
+            <a:off x="4305306" y="6000501"/>
+            <a:ext cx="1800350" cy="409170"/>
+          </a:xfrm>
+          <a:prstGeom prst="rect">
+            <a:avLst/>
+          </a:prstGeom>
+        </p:spPr>
+      </p:pic>
+      <p:pic>
+        <p:nvPicPr>
+          <p:cNvPr id="30" name="Imagen 29">
+            <a:extLst>
+              <a:ext uri="{FF2B5EF4-FFF2-40B4-BE49-F238E27FC236}">
+                <a16:creationId xmlns:a16="http://schemas.microsoft.com/office/drawing/2014/main" id="{89790089-74B6-4726-9E12-65E60C4ACCB5}"/>
+              </a:ext>
+            </a:extLst>
+          </p:cNvPr>
+          <p:cNvPicPr>
+            <a:picLocks noChangeAspect="1"/>
+          </p:cNvPicPr>
+          <p:nvPr userDrawn="1"/>
+        </p:nvPicPr>
+        <p:blipFill>
+          <a:blip r:embed="rId18"/>
+          <a:stretch>
+            <a:fillRect/>
+          </a:stretch>
+        </p:blipFill>
+        <p:spPr>
+          <a:xfrm>
+            <a:off x="8653606" y="5054665"/>
+            <a:ext cx="1839530" cy="567666"/>
+          </a:xfrm>
+          <a:prstGeom prst="rect">
+            <a:avLst/>
+          </a:prstGeom>
+        </p:spPr>
+      </p:pic>
+      <p:pic>
+        <p:nvPicPr>
+          <p:cNvPr id="32" name="Imagen 31">
+            <a:extLst>
+              <a:ext uri="{FF2B5EF4-FFF2-40B4-BE49-F238E27FC236}">
+                <a16:creationId xmlns:a16="http://schemas.microsoft.com/office/drawing/2014/main" id="{92742942-85A9-4279-A1B4-54B7FF21B3FA}"/>
+              </a:ext>
+            </a:extLst>
+          </p:cNvPr>
+          <p:cNvPicPr>
+            <a:picLocks noChangeAspect="1"/>
+          </p:cNvPicPr>
+          <p:nvPr userDrawn="1"/>
+        </p:nvPicPr>
+        <p:blipFill>
+          <a:blip r:embed="rId19"/>
+          <a:stretch>
+            <a:fillRect/>
+          </a:stretch>
+        </p:blipFill>
+        <p:spPr>
+          <a:xfrm>
+            <a:off x="8647433" y="5788376"/>
+            <a:ext cx="1839529" cy="634175"/>
           </a:xfrm>
           <a:prstGeom prst="rect">
             <a:avLst/>
@@ -25701,10 +25731,10 @@
       </p:graphicFrame>
       <p:pic>
         <p:nvPicPr>
-          <p:cNvPr id="27" name="Imagen 26">
+          <p:cNvPr id="14" name="Imagen 13">
             <a:extLst>
               <a:ext uri="{FF2B5EF4-FFF2-40B4-BE49-F238E27FC236}">
-                <a16:creationId xmlns:a16="http://schemas.microsoft.com/office/drawing/2014/main" id="{00C8D22B-6FB1-44B3-9B2A-665925B181E4}"/>
+                <a16:creationId xmlns:a16="http://schemas.microsoft.com/office/drawing/2014/main" id="{C8EED1BB-87C0-4205-8AFA-15A8F722E791}"/>
               </a:ext>
             </a:extLst>
           </p:cNvPr>
@@ -25721,7 +25751,7 @@
         </p:blipFill>
         <p:spPr>
           <a:xfrm>
-            <a:off x="501323" y="5106327"/>
+            <a:off x="535251" y="4091351"/>
             <a:ext cx="3299139" cy="1015120"/>
           </a:xfrm>
           <a:prstGeom prst="rect">
@@ -25731,10 +25761,10 @@
       </p:pic>
       <p:pic>
         <p:nvPicPr>
-          <p:cNvPr id="35" name="Imagen 34">
+          <p:cNvPr id="15" name="Imagen 14">
             <a:extLst>
               <a:ext uri="{FF2B5EF4-FFF2-40B4-BE49-F238E27FC236}">
-                <a16:creationId xmlns:a16="http://schemas.microsoft.com/office/drawing/2014/main" id="{B20103D2-6A8D-4961-A9FC-C645273D36EA}"/>
+                <a16:creationId xmlns:a16="http://schemas.microsoft.com/office/drawing/2014/main" id="{E2B67CA9-04D1-4087-8ADC-EECF9086EB0F}"/>
               </a:ext>
             </a:extLst>
           </p:cNvPr>
@@ -25751,8 +25781,8 @@
         </p:blipFill>
         <p:spPr>
           <a:xfrm>
-            <a:off x="4795788" y="2889461"/>
-            <a:ext cx="2964216" cy="912066"/>
+            <a:off x="836952" y="5359947"/>
+            <a:ext cx="3152727" cy="824437"/>
           </a:xfrm>
           <a:prstGeom prst="rect">
             <a:avLst/>
@@ -25761,10 +25791,10 @@
       </p:pic>
       <p:pic>
         <p:nvPicPr>
-          <p:cNvPr id="36" name="Imagen 35">
+          <p:cNvPr id="16" name="Imagen 15">
             <a:extLst>
               <a:ext uri="{FF2B5EF4-FFF2-40B4-BE49-F238E27FC236}">
-                <a16:creationId xmlns:a16="http://schemas.microsoft.com/office/drawing/2014/main" id="{06B717A3-D1D7-4E20-8A78-D374F2E8165E}"/>
+                <a16:creationId xmlns:a16="http://schemas.microsoft.com/office/drawing/2014/main" id="{6503E66C-282E-4755-8523-3E1BE2FED4BC}"/>
               </a:ext>
             </a:extLst>
           </p:cNvPr>
@@ -25781,8 +25811,8 @@
         </p:blipFill>
         <p:spPr>
           <a:xfrm>
-            <a:off x="4770299" y="4103833"/>
-            <a:ext cx="3152727" cy="824437"/>
+            <a:off x="8701034" y="3081791"/>
+            <a:ext cx="2801436" cy="861980"/>
           </a:xfrm>
           <a:prstGeom prst="rect">
             <a:avLst/>
@@ -25791,10 +25821,10 @@
       </p:pic>
       <p:pic>
         <p:nvPicPr>
-          <p:cNvPr id="37" name="Imagen 36">
+          <p:cNvPr id="17" name="Imagen 16">
             <a:extLst>
               <a:ext uri="{FF2B5EF4-FFF2-40B4-BE49-F238E27FC236}">
-                <a16:creationId xmlns:a16="http://schemas.microsoft.com/office/drawing/2014/main" id="{4F6582C8-181F-45AB-8FDC-D2A5D1DE0868}"/>
+                <a16:creationId xmlns:a16="http://schemas.microsoft.com/office/drawing/2014/main" id="{68A04977-E03D-4747-A55B-D8CACA1D1EA3}"/>
               </a:ext>
             </a:extLst>
           </p:cNvPr>
@@ -25811,8 +25841,8 @@
         </p:blipFill>
         <p:spPr>
           <a:xfrm>
-            <a:off x="8656795" y="4066290"/>
-            <a:ext cx="2801436" cy="861980"/>
+            <a:off x="9075344" y="3970682"/>
+            <a:ext cx="2327347" cy="861980"/>
           </a:xfrm>
           <a:prstGeom prst="rect">
             <a:avLst/>
@@ -25821,10 +25851,10 @@
       </p:pic>
       <p:pic>
         <p:nvPicPr>
-          <p:cNvPr id="38" name="Imagen 37">
+          <p:cNvPr id="18" name="Imagen 17">
             <a:extLst>
               <a:ext uri="{FF2B5EF4-FFF2-40B4-BE49-F238E27FC236}">
-                <a16:creationId xmlns:a16="http://schemas.microsoft.com/office/drawing/2014/main" id="{6286BA83-1331-4607-A514-6A7126E17B69}"/>
+                <a16:creationId xmlns:a16="http://schemas.microsoft.com/office/drawing/2014/main" id="{4ECE626B-CB9F-49D4-A589-E9FEC79E2D12}"/>
               </a:ext>
             </a:extLst>
           </p:cNvPr>
@@ -25841,8 +25871,8 @@
         </p:blipFill>
         <p:spPr>
           <a:xfrm>
-            <a:off x="8892861" y="5034166"/>
-            <a:ext cx="2327347" cy="861980"/>
+            <a:off x="5003367" y="4755776"/>
+            <a:ext cx="2647327" cy="601665"/>
           </a:xfrm>
           <a:prstGeom prst="rect">
             <a:avLst/>
@@ -25851,10 +25881,10 @@
       </p:pic>
       <p:pic>
         <p:nvPicPr>
-          <p:cNvPr id="39" name="Imagen 38">
+          <p:cNvPr id="19" name="Imagen 18">
             <a:extLst>
               <a:ext uri="{FF2B5EF4-FFF2-40B4-BE49-F238E27FC236}">
-                <a16:creationId xmlns:a16="http://schemas.microsoft.com/office/drawing/2014/main" id="{C38881CE-ACE0-4F86-BDCB-651601AB78BD}"/>
+                <a16:creationId xmlns:a16="http://schemas.microsoft.com/office/drawing/2014/main" id="{07A0D589-8B99-4A1F-83DD-0D24BB86A01D}"/>
               </a:ext>
             </a:extLst>
           </p:cNvPr>
@@ -25871,8 +25901,8 @@
         </p:blipFill>
         <p:spPr>
           <a:xfrm>
-            <a:off x="5022998" y="5313055"/>
-            <a:ext cx="2647327" cy="601665"/>
+            <a:off x="1025219" y="3037343"/>
+            <a:ext cx="2594132" cy="800532"/>
           </a:xfrm>
           <a:prstGeom prst="rect">
             <a:avLst/>
@@ -25881,10 +25911,10 @@
       </p:pic>
       <p:pic>
         <p:nvPicPr>
-          <p:cNvPr id="40" name="Imagen 39">
+          <p:cNvPr id="20" name="Imagen 19">
             <a:extLst>
               <a:ext uri="{FF2B5EF4-FFF2-40B4-BE49-F238E27FC236}">
-                <a16:creationId xmlns:a16="http://schemas.microsoft.com/office/drawing/2014/main" id="{4F953C2C-6DFB-43C8-882C-B32DB0BB29D6}"/>
+                <a16:creationId xmlns:a16="http://schemas.microsoft.com/office/drawing/2014/main" id="{5EBE82DE-0DA6-40BA-AE76-E790F24F7B58}"/>
               </a:ext>
             </a:extLst>
           </p:cNvPr>
@@ -25901,8 +25931,38 @@
         </p:blipFill>
         <p:spPr>
           <a:xfrm>
-            <a:off x="941074" y="4020721"/>
-            <a:ext cx="2594132" cy="800532"/>
+            <a:off x="9010948" y="5213153"/>
+            <a:ext cx="2391743" cy="824551"/>
+          </a:xfrm>
+          <a:prstGeom prst="rect">
+            <a:avLst/>
+          </a:prstGeom>
+        </p:spPr>
+      </p:pic>
+      <p:pic>
+        <p:nvPicPr>
+          <p:cNvPr id="21" name="Imagen 20">
+            <a:extLst>
+              <a:ext uri="{FF2B5EF4-FFF2-40B4-BE49-F238E27FC236}">
+                <a16:creationId xmlns:a16="http://schemas.microsoft.com/office/drawing/2014/main" id="{DDFFE72F-3FF9-4C94-9C65-3BFDF9D59901}"/>
+              </a:ext>
+            </a:extLst>
+          </p:cNvPr>
+          <p:cNvPicPr>
+            <a:picLocks noChangeAspect="1"/>
+          </p:cNvPicPr>
+          <p:nvPr userDrawn="1"/>
+        </p:nvPicPr>
+        <p:blipFill>
+          <a:blip r:embed="rId16"/>
+          <a:stretch>
+            <a:fillRect/>
+          </a:stretch>
+        </p:blipFill>
+        <p:spPr>
+          <a:xfrm>
+            <a:off x="4831769" y="3336406"/>
+            <a:ext cx="2964216" cy="912066"/>
           </a:xfrm>
           <a:prstGeom prst="rect">
             <a:avLst/>
